--- a/hmm_crf/演示文稿1.pptx
+++ b/hmm_crf/演示文稿1.pptx
@@ -105,6 +105,11 @@
       </a:defRPr>
     </a:lvl9pPr>
   </p:defaultTextStyle>
+  <p:extLst>
+    <p:ext uri="{EFAFB233-063F-42B5-8137-9DF3F51BA10A}">
+      <p15:sldGuideLst xmlns:p15="http://schemas.microsoft.com/office/powerpoint/2012/main"/>
+    </p:ext>
+  </p:extLst>
 </p:presentation>
 </file>
 
@@ -4173,7 +4178,7 @@
         <p:grpSpPr>
           <a:xfrm>
             <a:off x="108064" y="91439"/>
-            <a:ext cx="2077137" cy="5589318"/>
+            <a:ext cx="2453051" cy="5589318"/>
             <a:chOff x="2661678" y="806333"/>
             <a:chExt cx="583056" cy="2137218"/>
           </a:xfrm>
@@ -4268,165 +4273,6 @@
             <a:xfrm>
               <a:off x="2685012" y="2295525"/>
               <a:ext cx="559722" cy="648026"/>
-            </a:xfrm>
-            <a:prstGeom prst="ellipse">
-              <a:avLst/>
-            </a:prstGeom>
-          </p:spPr>
-          <p:style>
-            <a:lnRef idx="2">
-              <a:schemeClr val="dk1"/>
-            </a:lnRef>
-            <a:fillRef idx="1">
-              <a:schemeClr val="lt1"/>
-            </a:fillRef>
-            <a:effectRef idx="0">
-              <a:schemeClr val="dk1"/>
-            </a:effectRef>
-            <a:fontRef idx="minor">
-              <a:schemeClr val="dk1"/>
-            </a:fontRef>
-          </p:style>
-          <p:txBody>
-            <a:bodyPr rtlCol="0" anchor="ctr"/>
-            <a:lstStyle/>
-            <a:p>
-              <a:pPr algn="ctr"/>
-              <a:endParaRPr lang="zh-CN" altLang="en-US" sz="2400" dirty="0"/>
-            </a:p>
-          </p:txBody>
-        </p:sp>
-      </p:grpSp>
-      <p:grpSp>
-        <p:nvGrpSpPr>
-          <p:cNvPr id="28" name="组合 27"/>
-          <p:cNvGrpSpPr/>
-          <p:nvPr/>
-        </p:nvGrpSpPr>
-        <p:grpSpPr>
-          <a:xfrm>
-            <a:off x="4806376" y="22878"/>
-            <a:ext cx="2042487" cy="6999871"/>
-            <a:chOff x="3859722" y="771157"/>
-            <a:chExt cx="781404" cy="2676579"/>
-          </a:xfrm>
-        </p:grpSpPr>
-        <p:sp>
-          <p:nvSpPr>
-            <p:cNvPr id="14" name="文本框 13"/>
-            <p:cNvSpPr txBox="1"/>
-            <p:nvPr/>
-          </p:nvSpPr>
-          <p:spPr>
-            <a:xfrm>
-              <a:off x="4126241" y="3078404"/>
-              <a:ext cx="514885" cy="369332"/>
-            </a:xfrm>
-            <a:prstGeom prst="rect">
-              <a:avLst/>
-            </a:prstGeom>
-            <a:noFill/>
-          </p:spPr>
-          <p:txBody>
-            <a:bodyPr wrap="none" rtlCol="0">
-              <a:spAutoFit/>
-            </a:bodyPr>
-            <a:lstStyle/>
-            <a:p>
-              <a:r>
-                <a:rPr lang="en-US" altLang="zh-CN" dirty="0" smtClean="0"/>
-                <a:t>like</a:t>
-              </a:r>
-              <a:endParaRPr lang="zh-CN" altLang="en-US" dirty="0"/>
-            </a:p>
-          </p:txBody>
-        </p:sp>
-        <p:sp>
-          <p:nvSpPr>
-            <p:cNvPr id="16" name="椭圆 15"/>
-            <p:cNvSpPr/>
-            <p:nvPr/>
-          </p:nvSpPr>
-          <p:spPr>
-            <a:xfrm>
-              <a:off x="3859722" y="771157"/>
-              <a:ext cx="690815" cy="636805"/>
-            </a:xfrm>
-            <a:prstGeom prst="ellipse">
-              <a:avLst/>
-            </a:prstGeom>
-          </p:spPr>
-          <p:style>
-            <a:lnRef idx="2">
-              <a:schemeClr val="dk1"/>
-            </a:lnRef>
-            <a:fillRef idx="1">
-              <a:schemeClr val="lt1"/>
-            </a:fillRef>
-            <a:effectRef idx="0">
-              <a:schemeClr val="dk1"/>
-            </a:effectRef>
-            <a:fontRef idx="minor">
-              <a:schemeClr val="dk1"/>
-            </a:fontRef>
-          </p:style>
-          <p:txBody>
-            <a:bodyPr rtlCol="0" anchor="ctr"/>
-            <a:lstStyle/>
-            <a:p>
-              <a:pPr algn="ctr"/>
-              <a:endParaRPr lang="zh-CN" altLang="en-US" sz="2400" dirty="0"/>
-            </a:p>
-          </p:txBody>
-        </p:sp>
-        <p:sp>
-          <p:nvSpPr>
-            <p:cNvPr id="17" name="椭圆 16"/>
-            <p:cNvSpPr/>
-            <p:nvPr/>
-          </p:nvSpPr>
-          <p:spPr>
-            <a:xfrm>
-              <a:off x="3931048" y="1638550"/>
-              <a:ext cx="702833" cy="684816"/>
-            </a:xfrm>
-            <a:prstGeom prst="ellipse">
-              <a:avLst/>
-            </a:prstGeom>
-          </p:spPr>
-          <p:style>
-            <a:lnRef idx="2">
-              <a:schemeClr val="dk1"/>
-            </a:lnRef>
-            <a:fillRef idx="1">
-              <a:schemeClr val="lt1"/>
-            </a:fillRef>
-            <a:effectRef idx="0">
-              <a:schemeClr val="dk1"/>
-            </a:effectRef>
-            <a:fontRef idx="minor">
-              <a:schemeClr val="dk1"/>
-            </a:fontRef>
-          </p:style>
-          <p:txBody>
-            <a:bodyPr rtlCol="0" anchor="ctr"/>
-            <a:lstStyle/>
-            <a:p>
-              <a:pPr algn="ctr"/>
-              <a:endParaRPr lang="zh-CN" altLang="en-US" sz="2400" dirty="0"/>
-            </a:p>
-          </p:txBody>
-        </p:sp>
-        <p:sp>
-          <p:nvSpPr>
-            <p:cNvPr id="18" name="椭圆 17"/>
-            <p:cNvSpPr/>
-            <p:nvPr/>
-          </p:nvSpPr>
-          <p:spPr>
-            <a:xfrm>
-              <a:off x="3928514" y="2383716"/>
-              <a:ext cx="650325" cy="648025"/>
             </a:xfrm>
             <a:prstGeom prst="ellipse">
               <a:avLst/>
@@ -4620,13 +4466,14 @@
           <p:cNvPr id="23" name="直接箭头连接符 22"/>
           <p:cNvCxnSpPr>
             <a:stCxn id="4" idx="6"/>
+            <a:endCxn id="17" idx="2"/>
           </p:cNvCxnSpPr>
           <p:nvPr/>
         </p:nvCxnSpPr>
         <p:spPr>
           <a:xfrm>
-            <a:off x="2185201" y="1053716"/>
-            <a:ext cx="2821054" cy="2113433"/>
+            <a:off x="2561115" y="1053716"/>
+            <a:ext cx="2998809" cy="2230732"/>
           </a:xfrm>
           <a:prstGeom prst="straightConnector1">
             <a:avLst/>
@@ -4661,8 +4508,8 @@
         </p:nvCxnSpPr>
         <p:spPr>
           <a:xfrm>
-            <a:off x="6829926" y="3186787"/>
-            <a:ext cx="2887652" cy="1785944"/>
+            <a:off x="7397037" y="3284448"/>
+            <a:ext cx="2320541" cy="1688283"/>
           </a:xfrm>
           <a:prstGeom prst="straightConnector1">
             <a:avLst/>
@@ -4694,8 +4541,8 @@
         </p:nvSpPr>
         <p:spPr>
           <a:xfrm rot="2136217">
-            <a:off x="3657552" y="2221080"/>
-            <a:ext cx="1673634" cy="1200329"/>
+            <a:off x="4312164" y="2357122"/>
+            <a:ext cx="1673634" cy="646331"/>
           </a:xfrm>
           <a:prstGeom prst="rect">
             <a:avLst/>
@@ -4709,58 +4556,50 @@
           <a:lstStyle/>
           <a:p>
             <a:r>
-              <a:rPr lang="en-US" altLang="zh-CN" sz="1200" dirty="0" smtClean="0"/>
+              <a:rPr lang="en-US" altLang="zh-CN" sz="1200" b="1" dirty="0" smtClean="0"/>
               <a:t>…</a:t>
             </a:r>
           </a:p>
           <a:p>
             <a:r>
-              <a:rPr lang="el-GR" altLang="zh-CN" sz="1200" dirty="0" smtClean="0"/>
+              <a:rPr lang="el-GR" altLang="zh-CN" sz="1200" b="1" dirty="0" smtClean="0"/>
               <a:t>λ</a:t>
             </a:r>
             <a:r>
-              <a:rPr lang="en-US" altLang="zh-CN" sz="1200" baseline="-25000" dirty="0"/>
+              <a:rPr lang="en-US" altLang="zh-CN" sz="1200" b="1" baseline="-25000" dirty="0"/>
               <a:t>8</a:t>
             </a:r>
             <a:r>
-              <a:rPr lang="el-GR" altLang="zh-CN" sz="1200" dirty="0" smtClean="0"/>
+              <a:rPr lang="el-GR" altLang="zh-CN" sz="1200" b="1" dirty="0" smtClean="0"/>
               <a:t> </a:t>
             </a:r>
             <a:r>
-              <a:rPr lang="en-US" altLang="zh-CN" sz="1200" dirty="0" smtClean="0"/>
+              <a:rPr lang="en-US" altLang="zh-CN" sz="1200" b="1" dirty="0" smtClean="0"/>
               <a:t>*f</a:t>
             </a:r>
             <a:r>
-              <a:rPr lang="en-US" altLang="zh-CN" sz="1200" baseline="-25000" dirty="0"/>
+              <a:rPr lang="en-US" altLang="zh-CN" sz="1200" b="1" baseline="-25000" dirty="0"/>
               <a:t>8</a:t>
             </a:r>
             <a:r>
-              <a:rPr lang="en-US" altLang="zh-CN" sz="1200" dirty="0" smtClean="0"/>
+              <a:rPr lang="en-US" altLang="zh-CN" sz="1200" b="1" dirty="0" smtClean="0"/>
               <a:t>(</a:t>
             </a:r>
             <a:r>
-              <a:rPr lang="en-US" altLang="zh-CN" sz="1200" dirty="0" err="1" smtClean="0"/>
+              <a:rPr lang="en-US" altLang="zh-CN" sz="1200" b="1" dirty="0" err="1" smtClean="0"/>
               <a:t>subj,verb</a:t>
             </a:r>
             <a:r>
-              <a:rPr lang="en-US" altLang="zh-CN" sz="1200" dirty="0" smtClean="0"/>
+              <a:rPr lang="en-US" altLang="zh-CN" sz="1200" b="1" dirty="0" smtClean="0"/>
               <a:t>)=4</a:t>
             </a:r>
           </a:p>
           <a:p>
             <a:r>
-              <a:rPr lang="en-US" altLang="zh-CN" sz="1200" dirty="0" smtClean="0"/>
+              <a:rPr lang="en-US" altLang="zh-CN" sz="1200" b="1" dirty="0" smtClean="0"/>
               <a:t>…</a:t>
             </a:r>
-          </a:p>
-          <a:p>
-            <a:endParaRPr lang="en-US" altLang="zh-CN" sz="1200" dirty="0" smtClean="0"/>
-          </a:p>
-          <a:p>
-            <a:endParaRPr lang="en-US" altLang="zh-CN" sz="1200" dirty="0" smtClean="0"/>
-          </a:p>
-          <a:p>
-            <a:endParaRPr lang="zh-CN" altLang="en-US" sz="1200" dirty="0"/>
+            <a:endParaRPr lang="en-US" altLang="zh-CN" sz="1200" b="1" dirty="0" smtClean="0"/>
           </a:p>
         </p:txBody>
       </p:sp>
@@ -4801,9 +4640,9 @@
           <p:nvPr/>
         </p:nvSpPr>
         <p:spPr>
-          <a:xfrm rot="1845918">
-            <a:off x="8392954" y="4294878"/>
-            <a:ext cx="1562324" cy="276999"/>
+          <a:xfrm rot="2226510">
+            <a:off x="8383291" y="3952453"/>
+            <a:ext cx="1562324" cy="646331"/>
           </a:xfrm>
           <a:prstGeom prst="rect">
             <a:avLst/>
@@ -4817,34 +4656,50 @@
           <a:lstStyle/>
           <a:p>
             <a:r>
-              <a:rPr lang="el-GR" altLang="zh-CN" sz="1200" dirty="0" smtClean="0"/>
+              <a:rPr lang="en-US" altLang="zh-CN" sz="1200" b="1" dirty="0" smtClean="0"/>
+              <a:t>…</a:t>
+            </a:r>
+          </a:p>
+          <a:p>
+            <a:r>
+              <a:rPr lang="el-GR" altLang="zh-CN" sz="1200" b="1" dirty="0" smtClean="0"/>
               <a:t>λ</a:t>
             </a:r>
             <a:r>
-              <a:rPr lang="en-US" altLang="zh-CN" sz="1200" baseline="-25000" dirty="0" smtClean="0"/>
+              <a:rPr lang="en-US" altLang="zh-CN" sz="1200" b="1" baseline="-25000" dirty="0" smtClean="0"/>
               <a:t>14 </a:t>
             </a:r>
             <a:r>
-              <a:rPr lang="en-US" altLang="zh-CN" sz="1200" dirty="0" smtClean="0"/>
+              <a:rPr lang="en-US" altLang="zh-CN" sz="1200" b="1" dirty="0" smtClean="0"/>
               <a:t>* f</a:t>
             </a:r>
             <a:r>
-              <a:rPr lang="en-US" altLang="zh-CN" sz="1200" baseline="-25000" dirty="0" smtClean="0"/>
+              <a:rPr lang="en-US" altLang="zh-CN" sz="1200" b="1" baseline="-25000" dirty="0" smtClean="0"/>
               <a:t>14</a:t>
             </a:r>
             <a:r>
-              <a:rPr lang="en-US" altLang="zh-CN" sz="1200" dirty="0" smtClean="0"/>
+              <a:rPr lang="en-US" altLang="zh-CN" sz="1200" b="1" dirty="0" smtClean="0"/>
               <a:t>(</a:t>
             </a:r>
             <a:r>
-              <a:rPr lang="en-US" altLang="zh-CN" sz="1200" dirty="0" err="1" smtClean="0"/>
+              <a:rPr lang="en-US" altLang="zh-CN" sz="1200" b="1" dirty="0" err="1" smtClean="0"/>
               <a:t>verb,obj</a:t>
             </a:r>
             <a:r>
-              <a:rPr lang="en-US" altLang="zh-CN" sz="1200" dirty="0" smtClean="0"/>
-              <a:t>)=3</a:t>
-            </a:r>
-            <a:endParaRPr lang="zh-CN" altLang="en-US" sz="1200" dirty="0"/>
+              <a:rPr lang="en-US" altLang="zh-CN" sz="1200" b="1" dirty="0" smtClean="0"/>
+              <a:t>)=</a:t>
+            </a:r>
+            <a:r>
+              <a:rPr lang="en-US" altLang="zh-CN" sz="1200" b="1" dirty="0" smtClean="0"/>
+              <a:t>3</a:t>
+            </a:r>
+          </a:p>
+          <a:p>
+            <a:r>
+              <a:rPr lang="en-US" altLang="zh-CN" sz="1200" b="1" dirty="0" smtClean="0"/>
+              <a:t>…</a:t>
+            </a:r>
+            <a:endParaRPr lang="zh-CN" altLang="en-US" sz="1200" b="1" dirty="0"/>
           </a:p>
         </p:txBody>
       </p:sp>
@@ -4859,8 +4714,8 @@
         </p:nvCxnSpPr>
         <p:spPr>
           <a:xfrm flipV="1">
-            <a:off x="2185201" y="855574"/>
-            <a:ext cx="2621175" cy="3977815"/>
+            <a:off x="2561115" y="931795"/>
+            <a:ext cx="2812372" cy="3901594"/>
           </a:xfrm>
           <a:prstGeom prst="straightConnector1">
             <a:avLst/>
@@ -4892,7 +4747,7 @@
         </p:nvSpPr>
         <p:spPr>
           <a:xfrm rot="18430111">
-            <a:off x="3433954" y="941256"/>
+            <a:off x="4036385" y="1016255"/>
             <a:ext cx="1547211" cy="646331"/>
           </a:xfrm>
           <a:prstGeom prst="rect">
@@ -4907,46 +4762,46 @@
           <a:lstStyle/>
           <a:p>
             <a:r>
-              <a:rPr lang="en-US" altLang="zh-CN" sz="1200" dirty="0" smtClean="0"/>
+              <a:rPr lang="en-US" altLang="zh-CN" sz="1200" b="1" dirty="0" smtClean="0"/>
               <a:t>…</a:t>
             </a:r>
           </a:p>
           <a:p>
             <a:r>
-              <a:rPr lang="el-GR" altLang="zh-CN" sz="1200" dirty="0" smtClean="0"/>
+              <a:rPr lang="el-GR" altLang="zh-CN" sz="1200" b="1" dirty="0" smtClean="0"/>
               <a:t>λ</a:t>
             </a:r>
             <a:r>
-              <a:rPr lang="en-US" altLang="zh-CN" sz="1200" baseline="-25000" dirty="0"/>
+              <a:rPr lang="en-US" altLang="zh-CN" sz="1200" b="1" baseline="-25000" dirty="0"/>
               <a:t>67</a:t>
             </a:r>
             <a:r>
-              <a:rPr lang="en-US" altLang="zh-CN" sz="1200" dirty="0" smtClean="0"/>
+              <a:rPr lang="en-US" altLang="zh-CN" sz="1200" b="1" dirty="0" smtClean="0"/>
               <a:t>*f</a:t>
             </a:r>
             <a:r>
-              <a:rPr lang="en-US" altLang="zh-CN" sz="1200" baseline="-25000" dirty="0"/>
+              <a:rPr lang="en-US" altLang="zh-CN" sz="1200" b="1" baseline="-25000" dirty="0"/>
               <a:t>67</a:t>
             </a:r>
             <a:r>
-              <a:rPr lang="en-US" altLang="zh-CN" sz="1200" dirty="0" smtClean="0"/>
+              <a:rPr lang="en-US" altLang="zh-CN" sz="1200" b="1" dirty="0" smtClean="0"/>
               <a:t>(</a:t>
             </a:r>
             <a:r>
-              <a:rPr lang="en-US" altLang="zh-CN" sz="1200" dirty="0" err="1" smtClean="0"/>
+              <a:rPr lang="en-US" altLang="zh-CN" sz="1200" b="1" dirty="0" err="1" smtClean="0"/>
               <a:t>obj,subj</a:t>
             </a:r>
             <a:r>
-              <a:rPr lang="en-US" altLang="zh-CN" sz="1200" dirty="0" smtClean="0"/>
+              <a:rPr lang="en-US" altLang="zh-CN" sz="1200" b="1" dirty="0" smtClean="0"/>
               <a:t>)=-5</a:t>
             </a:r>
           </a:p>
           <a:p>
             <a:r>
-              <a:rPr lang="en-US" altLang="zh-CN" sz="1200" dirty="0" smtClean="0"/>
+              <a:rPr lang="en-US" altLang="zh-CN" sz="1200" b="1" dirty="0" smtClean="0"/>
               <a:t>…</a:t>
             </a:r>
-            <a:endParaRPr lang="zh-CN" altLang="en-US" sz="1200" dirty="0"/>
+            <a:endParaRPr lang="zh-CN" altLang="en-US" sz="1200" b="1" dirty="0"/>
           </a:p>
         </p:txBody>
       </p:sp>
@@ -4961,8 +4816,8 @@
         </p:nvCxnSpPr>
         <p:spPr>
           <a:xfrm>
-            <a:off x="6612075" y="855574"/>
-            <a:ext cx="2860897" cy="174666"/>
+            <a:off x="7179186" y="931795"/>
+            <a:ext cx="2293786" cy="98445"/>
           </a:xfrm>
           <a:prstGeom prst="straightConnector1">
             <a:avLst/>
@@ -4994,7 +4849,7 @@
         </p:nvSpPr>
         <p:spPr>
           <a:xfrm rot="157308">
-            <a:off x="8064876" y="81131"/>
+            <a:off x="7985642" y="78157"/>
             <a:ext cx="1675676" cy="1015663"/>
           </a:xfrm>
           <a:prstGeom prst="rect">
@@ -5009,107 +4864,106 @@
           <a:lstStyle/>
           <a:p>
             <a:r>
-              <a:rPr lang="en-US" altLang="zh-CN" sz="1200" dirty="0" smtClean="0"/>
+              <a:rPr lang="en-US" altLang="zh-CN" sz="1200" b="1" dirty="0" smtClean="0"/>
               <a:t>…</a:t>
             </a:r>
           </a:p>
           <a:p>
             <a:r>
-              <a:rPr lang="el-GR" altLang="zh-CN" sz="1200" dirty="0" smtClean="0"/>
+              <a:rPr lang="el-GR" altLang="zh-CN" sz="1200" b="1" dirty="0" smtClean="0"/>
               <a:t>λ</a:t>
             </a:r>
             <a:r>
-              <a:rPr lang="en-US" altLang="zh-CN" sz="1200" baseline="-25000" dirty="0"/>
+              <a:rPr lang="en-US" altLang="zh-CN" sz="1200" b="1" baseline="-25000" dirty="0"/>
               <a:t>5</a:t>
             </a:r>
             <a:r>
-              <a:rPr lang="en-US" altLang="zh-CN" sz="1200" dirty="0" smtClean="0"/>
+              <a:rPr lang="en-US" altLang="zh-CN" sz="1200" b="1" dirty="0" smtClean="0"/>
               <a:t>*f</a:t>
             </a:r>
             <a:r>
-              <a:rPr lang="en-US" altLang="zh-CN" sz="1200" baseline="-25000" dirty="0"/>
+              <a:rPr lang="en-US" altLang="zh-CN" sz="1200" b="1" baseline="-25000" dirty="0"/>
               <a:t>5</a:t>
             </a:r>
             <a:r>
-              <a:rPr lang="en-US" altLang="zh-CN" sz="1200" dirty="0" smtClean="0"/>
+              <a:rPr lang="en-US" altLang="zh-CN" sz="1200" b="1" dirty="0" smtClean="0"/>
               <a:t>(</a:t>
             </a:r>
             <a:r>
-              <a:rPr lang="en-US" altLang="zh-CN" sz="1200" dirty="0" err="1" smtClean="0"/>
+              <a:rPr lang="en-US" altLang="zh-CN" sz="1200" b="1" dirty="0" err="1" smtClean="0"/>
               <a:t>obj,subj</a:t>
             </a:r>
             <a:r>
-              <a:rPr lang="en-US" altLang="zh-CN" sz="1200" dirty="0" smtClean="0"/>
+              <a:rPr lang="en-US" altLang="zh-CN" sz="1200" b="1" dirty="0" smtClean="0"/>
               <a:t>)=-7</a:t>
             </a:r>
           </a:p>
           <a:p>
             <a:r>
-              <a:rPr lang="el-GR" altLang="zh-CN" sz="1200" dirty="0" smtClean="0"/>
+              <a:rPr lang="el-GR" altLang="zh-CN" sz="1200" b="1" dirty="0" smtClean="0"/>
               <a:t>λ</a:t>
             </a:r>
             <a:r>
-              <a:rPr lang="en-US" altLang="zh-CN" sz="1200" baseline="-25000" dirty="0" smtClean="0"/>
+              <a:rPr lang="en-US" altLang="zh-CN" sz="1200" b="1" baseline="-25000" dirty="0" smtClean="0"/>
               <a:t>13</a:t>
             </a:r>
             <a:r>
-              <a:rPr lang="en-US" altLang="zh-CN" sz="1200" dirty="0" smtClean="0"/>
+              <a:rPr lang="en-US" altLang="zh-CN" sz="1200" b="1" dirty="0" smtClean="0"/>
               <a:t>*f</a:t>
             </a:r>
             <a:r>
-              <a:rPr lang="en-US" altLang="zh-CN" sz="1200" baseline="-25000" dirty="0" smtClean="0"/>
+              <a:rPr lang="en-US" altLang="zh-CN" sz="1200" b="1" baseline="-25000" dirty="0" smtClean="0"/>
               <a:t>13</a:t>
             </a:r>
             <a:r>
-              <a:rPr lang="en-US" altLang="zh-CN" sz="1200" dirty="0" smtClean="0"/>
+              <a:rPr lang="en-US" altLang="zh-CN" sz="1200" b="1" dirty="0" smtClean="0"/>
               <a:t>(</a:t>
             </a:r>
             <a:r>
-              <a:rPr lang="en-US" altLang="zh-CN" sz="1200" dirty="0" err="1" smtClean="0"/>
+              <a:rPr lang="en-US" altLang="zh-CN" sz="1200" b="1" dirty="0" err="1" smtClean="0"/>
               <a:t>subj,dog</a:t>
             </a:r>
             <a:r>
-              <a:rPr lang="en-US" altLang="zh-CN" sz="1200" dirty="0" smtClean="0"/>
+              <a:rPr lang="en-US" altLang="zh-CN" sz="1200" b="1" dirty="0" smtClean="0"/>
               <a:t>)=2</a:t>
             </a:r>
-            <a:endParaRPr lang="en-US" altLang="zh-CN" sz="1200" dirty="0" smtClean="0"/>
-          </a:p>
-          <a:p>
-            <a:r>
-              <a:rPr lang="el-GR" altLang="zh-CN" sz="1200" dirty="0" smtClean="0"/>
+          </a:p>
+          <a:p>
+            <a:r>
+              <a:rPr lang="el-GR" altLang="zh-CN" sz="1200" b="1" dirty="0" smtClean="0"/>
               <a:t>λ</a:t>
             </a:r>
             <a:r>
-              <a:rPr lang="en-US" altLang="zh-CN" sz="1200" baseline="-25000" dirty="0"/>
+              <a:rPr lang="en-US" altLang="zh-CN" sz="1200" b="1" baseline="-25000" dirty="0"/>
               <a:t>55</a:t>
             </a:r>
             <a:r>
-              <a:rPr lang="en-US" altLang="zh-CN" sz="1200" dirty="0" smtClean="0"/>
+              <a:rPr lang="en-US" altLang="zh-CN" sz="1200" b="1" dirty="0" smtClean="0"/>
               <a:t>*f</a:t>
             </a:r>
             <a:r>
-              <a:rPr lang="en-US" altLang="zh-CN" sz="1200" baseline="-25000" dirty="0"/>
+              <a:rPr lang="en-US" altLang="zh-CN" sz="1200" b="1" baseline="-25000" dirty="0"/>
               <a:t>55</a:t>
             </a:r>
             <a:r>
-              <a:rPr lang="en-US" altLang="zh-CN" sz="1200" dirty="0" smtClean="0"/>
+              <a:rPr lang="en-US" altLang="zh-CN" sz="1200" b="1" dirty="0" smtClean="0"/>
               <a:t>(</a:t>
             </a:r>
             <a:r>
-              <a:rPr lang="en-US" altLang="zh-CN" sz="1200" dirty="0" err="1" smtClean="0"/>
+              <a:rPr lang="en-US" altLang="zh-CN" sz="1200" b="1" dirty="0" err="1" smtClean="0"/>
               <a:t>subj,end</a:t>
             </a:r>
             <a:r>
-              <a:rPr lang="en-US" altLang="zh-CN" sz="1200" dirty="0" smtClean="0"/>
+              <a:rPr lang="en-US" altLang="zh-CN" sz="1200" b="1" dirty="0" smtClean="0"/>
               <a:t>)=-4</a:t>
             </a:r>
           </a:p>
           <a:p>
             <a:r>
-              <a:rPr lang="en-US" altLang="zh-CN" sz="1200" dirty="0" smtClean="0"/>
+              <a:rPr lang="en-US" altLang="zh-CN" sz="1200" b="1" dirty="0" smtClean="0"/>
               <a:t>…</a:t>
             </a:r>
-            <a:endParaRPr lang="zh-CN" altLang="en-US" sz="1200" dirty="0"/>
+            <a:endParaRPr lang="zh-CN" altLang="en-US" sz="1200" b="1" dirty="0"/>
           </a:p>
         </p:txBody>
       </p:sp>
@@ -5121,8 +4975,8 @@
         </p:nvSpPr>
         <p:spPr>
           <a:xfrm>
-            <a:off x="249283" y="636527"/>
-            <a:ext cx="1994010" cy="1015663"/>
+            <a:off x="325948" y="585989"/>
+            <a:ext cx="2184339" cy="1015663"/>
           </a:xfrm>
           <a:prstGeom prst="rect">
             <a:avLst/>
@@ -5136,143 +4990,143 @@
           <a:lstStyle/>
           <a:p>
             <a:r>
-              <a:rPr lang="en-US" altLang="zh-CN" sz="1200" dirty="0" smtClean="0"/>
+              <a:rPr lang="en-US" altLang="zh-CN" sz="1200" b="1" dirty="0" smtClean="0"/>
               <a:t>…</a:t>
             </a:r>
           </a:p>
           <a:p>
             <a:r>
-              <a:rPr lang="el-GR" altLang="zh-CN" sz="1200" dirty="0" smtClean="0"/>
+              <a:rPr lang="el-GR" altLang="zh-CN" sz="1200" b="1" dirty="0" smtClean="0"/>
               <a:t>λ</a:t>
             </a:r>
             <a:r>
-              <a:rPr lang="en-US" altLang="zh-CN" sz="1200" baseline="-25000" dirty="0" smtClean="0"/>
+              <a:rPr lang="en-US" altLang="zh-CN" sz="1200" b="1" baseline="-25000" dirty="0" smtClean="0"/>
               <a:t>13</a:t>
             </a:r>
             <a:r>
-              <a:rPr lang="en-US" altLang="zh-CN" sz="1200" dirty="0" smtClean="0"/>
+              <a:rPr lang="en-US" altLang="zh-CN" sz="1200" b="1" dirty="0" smtClean="0"/>
               <a:t>*f</a:t>
             </a:r>
             <a:r>
-              <a:rPr lang="en-US" altLang="zh-CN" sz="1200" baseline="-25000" dirty="0" smtClean="0"/>
+              <a:rPr lang="en-US" altLang="zh-CN" sz="1200" b="1" baseline="-25000" dirty="0" smtClean="0"/>
               <a:t>13</a:t>
             </a:r>
             <a:r>
-              <a:rPr lang="en-US" altLang="zh-CN" sz="1200" dirty="0" smtClean="0"/>
+              <a:rPr lang="en-US" altLang="zh-CN" sz="1200" b="1" dirty="0" smtClean="0"/>
               <a:t>(</a:t>
             </a:r>
             <a:r>
-              <a:rPr lang="en-US" altLang="zh-CN" sz="1200" dirty="0" err="1" smtClean="0"/>
+              <a:rPr lang="en-US" altLang="zh-CN" sz="1200" b="1" dirty="0" err="1" smtClean="0"/>
               <a:t>subj,begin</a:t>
             </a:r>
             <a:r>
-              <a:rPr lang="en-US" altLang="zh-CN" sz="1200" dirty="0" smtClean="0"/>
+              <a:rPr lang="en-US" altLang="zh-CN" sz="1200" b="1" dirty="0" smtClean="0"/>
               <a:t>)=</a:t>
             </a:r>
             <a:r>
-              <a:rPr lang="el-GR" altLang="zh-CN" sz="1200" dirty="0" smtClean="0"/>
+              <a:rPr lang="el-GR" altLang="zh-CN" sz="1200" b="1" dirty="0" smtClean="0"/>
               <a:t>λ</a:t>
             </a:r>
             <a:r>
-              <a:rPr lang="en-US" altLang="zh-CN" sz="1200" baseline="-25000" dirty="0" smtClean="0"/>
+              <a:rPr lang="en-US" altLang="zh-CN" sz="1200" b="1" baseline="-25000" dirty="0" smtClean="0"/>
               <a:t>13</a:t>
             </a:r>
             <a:r>
-              <a:rPr lang="en-US" altLang="zh-CN" sz="1200" dirty="0"/>
+              <a:rPr lang="en-US" altLang="zh-CN" sz="1200" b="1" dirty="0"/>
               <a:t>*1=</a:t>
             </a:r>
             <a:r>
-              <a:rPr lang="en-US" altLang="zh-CN" sz="1200" dirty="0" smtClean="0"/>
+              <a:rPr lang="en-US" altLang="zh-CN" sz="1200" b="1" dirty="0" smtClean="0"/>
               <a:t>3</a:t>
             </a:r>
           </a:p>
           <a:p>
             <a:r>
-              <a:rPr lang="el-GR" altLang="zh-CN" sz="1200" dirty="0" smtClean="0"/>
+              <a:rPr lang="el-GR" altLang="zh-CN" sz="1200" b="1" dirty="0" smtClean="0"/>
               <a:t>λ</a:t>
             </a:r>
             <a:r>
-              <a:rPr lang="en-US" altLang="zh-CN" sz="1200" baseline="-25000" dirty="0" smtClean="0"/>
+              <a:rPr lang="en-US" altLang="zh-CN" sz="1200" b="1" baseline="-25000" dirty="0" smtClean="0"/>
               <a:t>55</a:t>
             </a:r>
             <a:r>
-              <a:rPr lang="en-US" altLang="zh-CN" sz="1200" dirty="0" smtClean="0"/>
+              <a:rPr lang="en-US" altLang="zh-CN" sz="1200" b="1" dirty="0" smtClean="0"/>
               <a:t>*f</a:t>
             </a:r>
             <a:r>
-              <a:rPr lang="en-US" altLang="zh-CN" sz="1200" baseline="-25000" dirty="0" smtClean="0"/>
+              <a:rPr lang="en-US" altLang="zh-CN" sz="1200" b="1" baseline="-25000" dirty="0" smtClean="0"/>
               <a:t>55</a:t>
             </a:r>
             <a:r>
-              <a:rPr lang="en-US" altLang="zh-CN" sz="1200" dirty="0" smtClean="0"/>
+              <a:rPr lang="en-US" altLang="zh-CN" sz="1200" b="1" dirty="0" smtClean="0"/>
               <a:t>(</a:t>
             </a:r>
             <a:r>
-              <a:rPr lang="en-US" altLang="zh-CN" sz="1200" dirty="0" err="1" smtClean="0"/>
+              <a:rPr lang="en-US" altLang="zh-CN" sz="1200" b="1" dirty="0" err="1" smtClean="0"/>
               <a:t>subj,end</a:t>
             </a:r>
             <a:r>
-              <a:rPr lang="en-US" altLang="zh-CN" sz="1200" dirty="0" smtClean="0"/>
+              <a:rPr lang="en-US" altLang="zh-CN" sz="1200" b="1" dirty="0" smtClean="0"/>
               <a:t>)=</a:t>
             </a:r>
             <a:r>
-              <a:rPr lang="el-GR" altLang="zh-CN" sz="1200" dirty="0" smtClean="0"/>
+              <a:rPr lang="el-GR" altLang="zh-CN" sz="1200" b="1" dirty="0" smtClean="0"/>
               <a:t>λ</a:t>
             </a:r>
             <a:r>
-              <a:rPr lang="en-US" altLang="zh-CN" sz="1200" baseline="-25000" dirty="0" smtClean="0"/>
+              <a:rPr lang="en-US" altLang="zh-CN" sz="1200" b="1" baseline="-25000" dirty="0" smtClean="0"/>
               <a:t>55</a:t>
             </a:r>
             <a:r>
-              <a:rPr lang="en-US" altLang="zh-CN" sz="1200" dirty="0" smtClean="0"/>
+              <a:rPr lang="en-US" altLang="zh-CN" sz="1200" b="1" dirty="0" smtClean="0"/>
               <a:t>*0=0</a:t>
             </a:r>
           </a:p>
           <a:p>
             <a:r>
-              <a:rPr lang="el-GR" altLang="zh-CN" sz="1200" dirty="0" smtClean="0"/>
+              <a:rPr lang="el-GR" altLang="zh-CN" sz="1200" b="1" dirty="0" smtClean="0"/>
               <a:t>λ</a:t>
             </a:r>
             <a:r>
-              <a:rPr lang="en-US" altLang="zh-CN" sz="1200" baseline="-25000" dirty="0" smtClean="0"/>
+              <a:rPr lang="en-US" altLang="zh-CN" sz="1200" b="1" baseline="-25000" dirty="0" smtClean="0"/>
               <a:t>67</a:t>
             </a:r>
             <a:r>
-              <a:rPr lang="en-US" altLang="zh-CN" sz="1200" dirty="0" smtClean="0"/>
+              <a:rPr lang="en-US" altLang="zh-CN" sz="1200" b="1" dirty="0" smtClean="0"/>
               <a:t>*f</a:t>
             </a:r>
             <a:r>
-              <a:rPr lang="en-US" altLang="zh-CN" sz="1200" baseline="-25000" dirty="0" smtClean="0"/>
+              <a:rPr lang="en-US" altLang="zh-CN" sz="1200" b="1" baseline="-25000" dirty="0" smtClean="0"/>
               <a:t>67</a:t>
             </a:r>
             <a:r>
-              <a:rPr lang="en-US" altLang="zh-CN" sz="1200" dirty="0" smtClean="0"/>
+              <a:rPr lang="en-US" altLang="zh-CN" sz="1200" b="1" dirty="0" smtClean="0"/>
               <a:t>(</a:t>
             </a:r>
             <a:r>
-              <a:rPr lang="en-US" altLang="zh-CN" sz="1200" dirty="0" err="1" smtClean="0"/>
+              <a:rPr lang="en-US" altLang="zh-CN" sz="1200" b="1" dirty="0" err="1" smtClean="0"/>
               <a:t>obj,subj</a:t>
             </a:r>
             <a:r>
-              <a:rPr lang="en-US" altLang="zh-CN" sz="1200" dirty="0" smtClean="0"/>
+              <a:rPr lang="en-US" altLang="zh-CN" sz="1200" b="1" dirty="0" smtClean="0"/>
               <a:t>)=</a:t>
             </a:r>
             <a:r>
-              <a:rPr lang="el-GR" altLang="zh-CN" sz="1200" dirty="0" smtClean="0"/>
+              <a:rPr lang="el-GR" altLang="zh-CN" sz="1200" b="1" dirty="0" smtClean="0"/>
               <a:t>λ</a:t>
             </a:r>
             <a:r>
-              <a:rPr lang="en-US" altLang="zh-CN" sz="1200" baseline="-25000" dirty="0" smtClean="0"/>
+              <a:rPr lang="en-US" altLang="zh-CN" sz="1200" b="1" baseline="-25000" dirty="0" smtClean="0"/>
               <a:t>67</a:t>
             </a:r>
             <a:r>
-              <a:rPr lang="en-US" altLang="zh-CN" sz="1200" dirty="0" smtClean="0"/>
+              <a:rPr lang="en-US" altLang="zh-CN" sz="1200" b="1" dirty="0" smtClean="0"/>
               <a:t>*0=0</a:t>
             </a:r>
           </a:p>
           <a:p>
             <a:r>
-              <a:rPr lang="en-US" altLang="zh-CN" sz="1200" dirty="0" smtClean="0"/>
+              <a:rPr lang="en-US" altLang="zh-CN" sz="1200" b="1" dirty="0" smtClean="0"/>
               <a:t>…</a:t>
             </a:r>
           </a:p>
@@ -5340,66 +5194,6 @@
       </p:sp>
       <p:sp>
         <p:nvSpPr>
-          <p:cNvPr id="35" name="文本框 34"/>
-          <p:cNvSpPr txBox="1"/>
-          <p:nvPr/>
-        </p:nvSpPr>
-        <p:spPr>
-          <a:xfrm>
-            <a:off x="5562814" y="2306237"/>
-            <a:ext cx="622286" cy="369332"/>
-          </a:xfrm>
-          <a:prstGeom prst="rect">
-            <a:avLst/>
-          </a:prstGeom>
-          <a:noFill/>
-        </p:spPr>
-        <p:txBody>
-          <a:bodyPr wrap="none" rtlCol="0">
-            <a:spAutoFit/>
-          </a:bodyPr>
-          <a:lstStyle/>
-          <a:p>
-            <a:r>
-              <a:rPr lang="en-US" altLang="zh-CN" dirty="0" smtClean="0"/>
-              <a:t>verb</a:t>
-            </a:r>
-            <a:endParaRPr lang="zh-CN" altLang="en-US" dirty="0"/>
-          </a:p>
-        </p:txBody>
-      </p:sp>
-      <p:sp>
-        <p:nvSpPr>
-          <p:cNvPr id="36" name="文本框 35"/>
-          <p:cNvSpPr txBox="1"/>
-          <p:nvPr/>
-        </p:nvSpPr>
-        <p:spPr>
-          <a:xfrm>
-            <a:off x="5391666" y="365425"/>
-            <a:ext cx="590226" cy="369332"/>
-          </a:xfrm>
-          <a:prstGeom prst="rect">
-            <a:avLst/>
-          </a:prstGeom>
-          <a:noFill/>
-        </p:spPr>
-        <p:txBody>
-          <a:bodyPr wrap="none" rtlCol="0">
-            <a:spAutoFit/>
-          </a:bodyPr>
-          <a:lstStyle/>
-          <a:p>
-            <a:r>
-              <a:rPr lang="en-US" altLang="zh-CN" dirty="0" smtClean="0"/>
-              <a:t>subj</a:t>
-            </a:r>
-            <a:endParaRPr lang="zh-CN" altLang="en-US" dirty="0"/>
-          </a:p>
-        </p:txBody>
-      </p:sp>
-      <p:sp>
-        <p:nvSpPr>
           <p:cNvPr id="37" name="文本框 36"/>
           <p:cNvSpPr txBox="1"/>
           <p:nvPr/>
@@ -5488,36 +5282,270 @@
           </a:p>
         </p:txBody>
       </p:sp>
-      <p:sp>
-        <p:nvSpPr>
-          <p:cNvPr id="40" name="文本框 39"/>
-          <p:cNvSpPr txBox="1"/>
+      <p:grpSp>
+        <p:nvGrpSpPr>
+          <p:cNvPr id="2" name="组合 1"/>
+          <p:cNvGrpSpPr/>
           <p:nvPr/>
-        </p:nvSpPr>
-        <p:spPr>
+        </p:nvGrpSpPr>
+        <p:grpSpPr>
           <a:xfrm>
-            <a:off x="5598652" y="4318639"/>
-            <a:ext cx="502061" cy="369332"/>
+            <a:off x="5373487" y="91440"/>
+            <a:ext cx="2042487" cy="7064250"/>
+            <a:chOff x="5184795" y="155818"/>
+            <a:chExt cx="2042487" cy="6999871"/>
           </a:xfrm>
-          <a:prstGeom prst="rect">
-            <a:avLst/>
-          </a:prstGeom>
-          <a:noFill/>
-        </p:spPr>
-        <p:txBody>
-          <a:bodyPr wrap="none" rtlCol="0">
-            <a:spAutoFit/>
-          </a:bodyPr>
-          <a:lstStyle/>
-          <a:p>
-            <a:r>
-              <a:rPr lang="en-US" altLang="zh-CN" dirty="0" err="1" smtClean="0"/>
-              <a:t>obj</a:t>
-            </a:r>
-            <a:endParaRPr lang="zh-CN" altLang="en-US" dirty="0"/>
-          </a:p>
-        </p:txBody>
-      </p:sp>
+        </p:grpSpPr>
+        <p:grpSp>
+          <p:nvGrpSpPr>
+            <p:cNvPr id="28" name="组合 27"/>
+            <p:cNvGrpSpPr/>
+            <p:nvPr/>
+          </p:nvGrpSpPr>
+          <p:grpSpPr>
+            <a:xfrm>
+              <a:off x="5184795" y="155818"/>
+              <a:ext cx="2042487" cy="6999871"/>
+              <a:chOff x="3859722" y="771157"/>
+              <a:chExt cx="781404" cy="2676579"/>
+            </a:xfrm>
+          </p:grpSpPr>
+          <p:sp>
+            <p:nvSpPr>
+              <p:cNvPr id="14" name="文本框 13"/>
+              <p:cNvSpPr txBox="1"/>
+              <p:nvPr/>
+            </p:nvSpPr>
+            <p:spPr>
+              <a:xfrm>
+                <a:off x="4126241" y="3078404"/>
+                <a:ext cx="514885" cy="369332"/>
+              </a:xfrm>
+              <a:prstGeom prst="rect">
+                <a:avLst/>
+              </a:prstGeom>
+              <a:noFill/>
+            </p:spPr>
+            <p:txBody>
+              <a:bodyPr wrap="none" rtlCol="0">
+                <a:spAutoFit/>
+              </a:bodyPr>
+              <a:lstStyle/>
+              <a:p>
+                <a:r>
+                  <a:rPr lang="en-US" altLang="zh-CN" dirty="0" smtClean="0"/>
+                  <a:t>like</a:t>
+                </a:r>
+                <a:endParaRPr lang="zh-CN" altLang="en-US" dirty="0"/>
+              </a:p>
+            </p:txBody>
+          </p:sp>
+          <p:sp>
+            <p:nvSpPr>
+              <p:cNvPr id="16" name="椭圆 15"/>
+              <p:cNvSpPr/>
+              <p:nvPr/>
+            </p:nvSpPr>
+            <p:spPr>
+              <a:xfrm>
+                <a:off x="3859722" y="771157"/>
+                <a:ext cx="690815" cy="636805"/>
+              </a:xfrm>
+              <a:prstGeom prst="ellipse">
+                <a:avLst/>
+              </a:prstGeom>
+            </p:spPr>
+            <p:style>
+              <a:lnRef idx="2">
+                <a:schemeClr val="dk1"/>
+              </a:lnRef>
+              <a:fillRef idx="1">
+                <a:schemeClr val="lt1"/>
+              </a:fillRef>
+              <a:effectRef idx="0">
+                <a:schemeClr val="dk1"/>
+              </a:effectRef>
+              <a:fontRef idx="minor">
+                <a:schemeClr val="dk1"/>
+              </a:fontRef>
+            </p:style>
+            <p:txBody>
+              <a:bodyPr rtlCol="0" anchor="ctr"/>
+              <a:lstStyle/>
+              <a:p>
+                <a:pPr algn="ctr"/>
+                <a:endParaRPr lang="zh-CN" altLang="en-US" sz="2400" dirty="0"/>
+              </a:p>
+            </p:txBody>
+          </p:sp>
+          <p:sp>
+            <p:nvSpPr>
+              <p:cNvPr id="17" name="椭圆 16"/>
+              <p:cNvSpPr/>
+              <p:nvPr/>
+            </p:nvSpPr>
+            <p:spPr>
+              <a:xfrm>
+                <a:off x="3931048" y="1638550"/>
+                <a:ext cx="702833" cy="684816"/>
+              </a:xfrm>
+              <a:prstGeom prst="ellipse">
+                <a:avLst/>
+              </a:prstGeom>
+            </p:spPr>
+            <p:style>
+              <a:lnRef idx="2">
+                <a:schemeClr val="dk1"/>
+              </a:lnRef>
+              <a:fillRef idx="1">
+                <a:schemeClr val="lt1"/>
+              </a:fillRef>
+              <a:effectRef idx="0">
+                <a:schemeClr val="dk1"/>
+              </a:effectRef>
+              <a:fontRef idx="minor">
+                <a:schemeClr val="dk1"/>
+              </a:fontRef>
+            </p:style>
+            <p:txBody>
+              <a:bodyPr rtlCol="0" anchor="ctr"/>
+              <a:lstStyle/>
+              <a:p>
+                <a:pPr algn="ctr"/>
+                <a:endParaRPr lang="zh-CN" altLang="en-US" sz="2400" dirty="0"/>
+              </a:p>
+            </p:txBody>
+          </p:sp>
+          <p:sp>
+            <p:nvSpPr>
+              <p:cNvPr id="18" name="椭圆 17"/>
+              <p:cNvSpPr/>
+              <p:nvPr/>
+            </p:nvSpPr>
+            <p:spPr>
+              <a:xfrm>
+                <a:off x="3928514" y="2383716"/>
+                <a:ext cx="650325" cy="648025"/>
+              </a:xfrm>
+              <a:prstGeom prst="ellipse">
+                <a:avLst/>
+              </a:prstGeom>
+            </p:spPr>
+            <p:style>
+              <a:lnRef idx="2">
+                <a:schemeClr val="dk1"/>
+              </a:lnRef>
+              <a:fillRef idx="1">
+                <a:schemeClr val="lt1"/>
+              </a:fillRef>
+              <a:effectRef idx="0">
+                <a:schemeClr val="dk1"/>
+              </a:effectRef>
+              <a:fontRef idx="minor">
+                <a:schemeClr val="dk1"/>
+              </a:fontRef>
+            </p:style>
+            <p:txBody>
+              <a:bodyPr rtlCol="0" anchor="ctr"/>
+              <a:lstStyle/>
+              <a:p>
+                <a:pPr algn="ctr"/>
+                <a:endParaRPr lang="zh-CN" altLang="en-US" sz="2400" dirty="0"/>
+              </a:p>
+            </p:txBody>
+          </p:sp>
+        </p:grpSp>
+        <p:sp>
+          <p:nvSpPr>
+            <p:cNvPr id="35" name="文本框 34"/>
+            <p:cNvSpPr txBox="1"/>
+            <p:nvPr/>
+          </p:nvSpPr>
+          <p:spPr>
+            <a:xfrm>
+              <a:off x="5878845" y="2655223"/>
+              <a:ext cx="622286" cy="369332"/>
+            </a:xfrm>
+            <a:prstGeom prst="rect">
+              <a:avLst/>
+            </a:prstGeom>
+            <a:noFill/>
+          </p:spPr>
+          <p:txBody>
+            <a:bodyPr wrap="none" rtlCol="0">
+              <a:spAutoFit/>
+            </a:bodyPr>
+            <a:lstStyle/>
+            <a:p>
+              <a:r>
+                <a:rPr lang="en-US" altLang="zh-CN" dirty="0" smtClean="0"/>
+                <a:t>verb</a:t>
+              </a:r>
+              <a:endParaRPr lang="zh-CN" altLang="en-US" dirty="0"/>
+            </a:p>
+          </p:txBody>
+        </p:sp>
+        <p:sp>
+          <p:nvSpPr>
+            <p:cNvPr id="36" name="文本框 35"/>
+            <p:cNvSpPr txBox="1"/>
+            <p:nvPr/>
+          </p:nvSpPr>
+          <p:spPr>
+            <a:xfrm>
+              <a:off x="5689377" y="451861"/>
+              <a:ext cx="590226" cy="369332"/>
+            </a:xfrm>
+            <a:prstGeom prst="rect">
+              <a:avLst/>
+            </a:prstGeom>
+            <a:noFill/>
+          </p:spPr>
+          <p:txBody>
+            <a:bodyPr wrap="none" rtlCol="0">
+              <a:spAutoFit/>
+            </a:bodyPr>
+            <a:lstStyle/>
+            <a:p>
+              <a:r>
+                <a:rPr lang="en-US" altLang="zh-CN" dirty="0" smtClean="0"/>
+                <a:t>subj</a:t>
+              </a:r>
+              <a:endParaRPr lang="zh-CN" altLang="en-US" dirty="0"/>
+            </a:p>
+          </p:txBody>
+        </p:sp>
+        <p:sp>
+          <p:nvSpPr>
+            <p:cNvPr id="40" name="文本框 39"/>
+            <p:cNvSpPr txBox="1"/>
+            <p:nvPr/>
+          </p:nvSpPr>
+          <p:spPr>
+            <a:xfrm>
+              <a:off x="5878845" y="4522021"/>
+              <a:ext cx="502061" cy="369332"/>
+            </a:xfrm>
+            <a:prstGeom prst="rect">
+              <a:avLst/>
+            </a:prstGeom>
+            <a:noFill/>
+          </p:spPr>
+          <p:txBody>
+            <a:bodyPr wrap="none" rtlCol="0">
+              <a:spAutoFit/>
+            </a:bodyPr>
+            <a:lstStyle/>
+            <a:p>
+              <a:r>
+                <a:rPr lang="en-US" altLang="zh-CN" dirty="0" err="1" smtClean="0"/>
+                <a:t>obj</a:t>
+              </a:r>
+              <a:endParaRPr lang="zh-CN" altLang="en-US" dirty="0"/>
+            </a:p>
+          </p:txBody>
+        </p:sp>
+      </p:grpSp>
       <p:sp>
         <p:nvSpPr>
           <p:cNvPr id="41" name="文本框 40"/>
@@ -5548,135 +5576,19 @@
           </a:p>
         </p:txBody>
       </p:sp>
-      <p:sp>
-        <p:nvSpPr>
-          <p:cNvPr id="11" name="文本框 10"/>
-          <p:cNvSpPr txBox="1"/>
-          <p:nvPr/>
-        </p:nvSpPr>
-        <p:spPr>
-          <a:xfrm>
-            <a:off x="825552" y="2841086"/>
-            <a:ext cx="292068" cy="738664"/>
-          </a:xfrm>
-          <a:prstGeom prst="rect">
-            <a:avLst/>
-          </a:prstGeom>
-          <a:noFill/>
-        </p:spPr>
-        <p:txBody>
-          <a:bodyPr wrap="none" rtlCol="0">
-            <a:spAutoFit/>
-          </a:bodyPr>
-          <a:lstStyle/>
-          <a:p>
-            <a:r>
-              <a:rPr lang="en-US" altLang="zh-CN" sz="1200" dirty="0"/>
-              <a:t>…</a:t>
-            </a:r>
-          </a:p>
-          <a:p>
-            <a:r>
-              <a:rPr lang="en-US" altLang="zh-CN" sz="1200" dirty="0"/>
-              <a:t>…</a:t>
-            </a:r>
-            <a:endParaRPr lang="zh-CN" altLang="en-US" sz="1200" dirty="0"/>
-          </a:p>
-          <a:p>
-            <a:endParaRPr lang="zh-CN" altLang="en-US" dirty="0"/>
-          </a:p>
-        </p:txBody>
-      </p:sp>
-      <p:sp>
-        <p:nvSpPr>
-          <p:cNvPr id="43" name="文本框 42"/>
-          <p:cNvSpPr txBox="1"/>
-          <p:nvPr/>
-        </p:nvSpPr>
-        <p:spPr>
-          <a:xfrm>
-            <a:off x="5649029" y="4833457"/>
-            <a:ext cx="292068" cy="738664"/>
-          </a:xfrm>
-          <a:prstGeom prst="rect">
-            <a:avLst/>
-          </a:prstGeom>
-          <a:noFill/>
-        </p:spPr>
-        <p:txBody>
-          <a:bodyPr wrap="none" rtlCol="0">
-            <a:spAutoFit/>
-          </a:bodyPr>
-          <a:lstStyle/>
-          <a:p>
-            <a:r>
-              <a:rPr lang="en-US" altLang="zh-CN" sz="1200" dirty="0"/>
-              <a:t>…</a:t>
-            </a:r>
-          </a:p>
-          <a:p>
-            <a:r>
-              <a:rPr lang="en-US" altLang="zh-CN" sz="1200" dirty="0"/>
-              <a:t>…</a:t>
-            </a:r>
-            <a:endParaRPr lang="zh-CN" altLang="en-US" sz="1200" dirty="0"/>
-          </a:p>
-          <a:p>
-            <a:endParaRPr lang="zh-CN" altLang="en-US" dirty="0"/>
-          </a:p>
-        </p:txBody>
-      </p:sp>
-      <p:sp>
-        <p:nvSpPr>
-          <p:cNvPr id="45" name="文本框 44"/>
-          <p:cNvSpPr txBox="1"/>
-          <p:nvPr/>
-        </p:nvSpPr>
-        <p:spPr>
-          <a:xfrm>
-            <a:off x="10147606" y="2841086"/>
-            <a:ext cx="292068" cy="738664"/>
-          </a:xfrm>
-          <a:prstGeom prst="rect">
-            <a:avLst/>
-          </a:prstGeom>
-          <a:noFill/>
-        </p:spPr>
-        <p:txBody>
-          <a:bodyPr wrap="none" rtlCol="0">
-            <a:spAutoFit/>
-          </a:bodyPr>
-          <a:lstStyle/>
-          <a:p>
-            <a:r>
-              <a:rPr lang="en-US" altLang="zh-CN" sz="1200" dirty="0"/>
-              <a:t>…</a:t>
-            </a:r>
-          </a:p>
-          <a:p>
-            <a:r>
-              <a:rPr lang="en-US" altLang="zh-CN" sz="1200" dirty="0"/>
-              <a:t>…</a:t>
-            </a:r>
-            <a:endParaRPr lang="zh-CN" altLang="en-US" sz="1200" dirty="0"/>
-          </a:p>
-          <a:p>
-            <a:endParaRPr lang="zh-CN" altLang="en-US" dirty="0"/>
-          </a:p>
-        </p:txBody>
-      </p:sp>
       <p:cxnSp>
         <p:nvCxnSpPr>
           <p:cNvPr id="51" name="直接箭头连接符 50"/>
           <p:cNvCxnSpPr>
             <a:stCxn id="6" idx="6"/>
+            <a:endCxn id="17" idx="2"/>
           </p:cNvCxnSpPr>
           <p:nvPr/>
         </p:nvCxnSpPr>
         <p:spPr>
           <a:xfrm flipV="1">
-            <a:off x="2185201" y="3167149"/>
-            <a:ext cx="2821054" cy="1666240"/>
+            <a:off x="2561115" y="3284448"/>
+            <a:ext cx="2998809" cy="1548941"/>
           </a:xfrm>
           <a:prstGeom prst="straightConnector1">
             <a:avLst/>
@@ -5707,9 +5619,9 @@
           <p:nvPr/>
         </p:nvSpPr>
         <p:spPr>
-          <a:xfrm rot="19847687">
-            <a:off x="3627809" y="2989670"/>
-            <a:ext cx="1673634" cy="1200329"/>
+          <a:xfrm rot="20028635">
+            <a:off x="3871926" y="3148676"/>
+            <a:ext cx="1673634" cy="646331"/>
           </a:xfrm>
           <a:prstGeom prst="rect">
             <a:avLst/>
@@ -5723,67 +5635,58 @@
           <a:lstStyle/>
           <a:p>
             <a:r>
-              <a:rPr lang="en-US" altLang="zh-CN" sz="1200" dirty="0" smtClean="0"/>
+              <a:rPr lang="en-US" altLang="zh-CN" sz="1200" b="1" dirty="0" smtClean="0"/>
               <a:t>…</a:t>
             </a:r>
           </a:p>
           <a:p>
             <a:r>
-              <a:rPr lang="el-GR" altLang="zh-CN" sz="1200" dirty="0" smtClean="0"/>
+              <a:rPr lang="el-GR" altLang="zh-CN" sz="1200" b="1" dirty="0" smtClean="0"/>
               <a:t>λ</a:t>
             </a:r>
             <a:r>
-              <a:rPr lang="en-US" altLang="zh-CN" sz="1200" baseline="-25000" dirty="0"/>
+              <a:rPr lang="en-US" altLang="zh-CN" sz="1200" b="1" baseline="-25000" dirty="0"/>
               <a:t>1</a:t>
             </a:r>
             <a:r>
-              <a:rPr lang="en-US" altLang="zh-CN" sz="1200" baseline="-25000" dirty="0" smtClean="0"/>
+              <a:rPr lang="en-US" altLang="zh-CN" sz="1200" b="1" baseline="-25000" dirty="0" smtClean="0"/>
               <a:t>8</a:t>
             </a:r>
             <a:r>
-              <a:rPr lang="el-GR" altLang="zh-CN" sz="1200" dirty="0" smtClean="0"/>
+              <a:rPr lang="el-GR" altLang="zh-CN" sz="1200" b="1" dirty="0" smtClean="0"/>
               <a:t> </a:t>
             </a:r>
             <a:r>
-              <a:rPr lang="en-US" altLang="zh-CN" sz="1200" dirty="0" smtClean="0"/>
+              <a:rPr lang="en-US" altLang="zh-CN" sz="1200" b="1" dirty="0" smtClean="0"/>
               <a:t>*f</a:t>
             </a:r>
             <a:r>
-              <a:rPr lang="en-US" altLang="zh-CN" sz="1200" baseline="-25000" dirty="0"/>
+              <a:rPr lang="en-US" altLang="zh-CN" sz="1200" b="1" baseline="-25000" dirty="0"/>
               <a:t>1</a:t>
             </a:r>
             <a:r>
-              <a:rPr lang="en-US" altLang="zh-CN" sz="1200" baseline="-25000" dirty="0" smtClean="0"/>
+              <a:rPr lang="en-US" altLang="zh-CN" sz="1200" b="1" baseline="-25000" dirty="0" smtClean="0"/>
               <a:t>8</a:t>
             </a:r>
             <a:r>
-              <a:rPr lang="en-US" altLang="zh-CN" sz="1200" dirty="0" smtClean="0"/>
+              <a:rPr lang="en-US" altLang="zh-CN" sz="1200" b="1" dirty="0" smtClean="0"/>
               <a:t>(</a:t>
             </a:r>
             <a:r>
-              <a:rPr lang="en-US" altLang="zh-CN" sz="1200" dirty="0" err="1" smtClean="0"/>
+              <a:rPr lang="en-US" altLang="zh-CN" sz="1200" b="1" dirty="0" err="1" smtClean="0"/>
               <a:t>verb,obj</a:t>
             </a:r>
             <a:r>
-              <a:rPr lang="en-US" altLang="zh-CN" sz="1200" dirty="0" smtClean="0"/>
+              <a:rPr lang="en-US" altLang="zh-CN" sz="1200" b="1" dirty="0" smtClean="0"/>
               <a:t>)=1</a:t>
             </a:r>
           </a:p>
           <a:p>
             <a:r>
-              <a:rPr lang="en-US" altLang="zh-CN" sz="1200" dirty="0" smtClean="0"/>
+              <a:rPr lang="en-US" altLang="zh-CN" sz="1200" b="1" dirty="0" smtClean="0"/>
               <a:t>…</a:t>
             </a:r>
-            <a:endParaRPr lang="en-US" altLang="zh-CN" sz="1200" baseline="-25000" dirty="0"/>
-          </a:p>
-          <a:p>
-            <a:endParaRPr lang="en-US" altLang="zh-CN" sz="1200" dirty="0" smtClean="0"/>
-          </a:p>
-          <a:p>
-            <a:endParaRPr lang="en-US" altLang="zh-CN" sz="1200" dirty="0" smtClean="0"/>
-          </a:p>
-          <a:p>
-            <a:endParaRPr lang="zh-CN" altLang="en-US" sz="1200" dirty="0"/>
+            <a:endParaRPr lang="en-US" altLang="zh-CN" sz="1200" b="1" baseline="-25000" dirty="0"/>
           </a:p>
         </p:txBody>
       </p:sp>
@@ -5810,124 +5713,45 @@
           <a:lstStyle/>
           <a:p>
             <a:r>
-              <a:rPr lang="en-US" altLang="zh-CN" sz="1200" dirty="0" smtClean="0"/>
+              <a:rPr lang="en-US" altLang="zh-CN" sz="1200" b="1" dirty="0" smtClean="0"/>
               <a:t>…</a:t>
             </a:r>
           </a:p>
           <a:p>
             <a:r>
-              <a:rPr lang="el-GR" altLang="zh-CN" sz="1200" dirty="0" smtClean="0"/>
+              <a:rPr lang="el-GR" altLang="zh-CN" sz="1200" b="1" dirty="0" smtClean="0"/>
               <a:t>λ</a:t>
             </a:r>
             <a:r>
-              <a:rPr lang="en-US" altLang="zh-CN" sz="1200" baseline="-25000" dirty="0" smtClean="0"/>
+              <a:rPr lang="en-US" altLang="zh-CN" sz="1200" b="1" baseline="-25000" dirty="0" smtClean="0"/>
               <a:t>47</a:t>
             </a:r>
             <a:r>
-              <a:rPr lang="en-US" altLang="zh-CN" sz="1200" dirty="0" smtClean="0"/>
+              <a:rPr lang="en-US" altLang="zh-CN" sz="1200" b="1" dirty="0" smtClean="0"/>
               <a:t>*f</a:t>
             </a:r>
             <a:r>
-              <a:rPr lang="en-US" altLang="zh-CN" sz="1200" baseline="-25000" dirty="0" smtClean="0"/>
+              <a:rPr lang="en-US" altLang="zh-CN" sz="1200" b="1" baseline="-25000" dirty="0" smtClean="0"/>
               <a:t>47</a:t>
             </a:r>
             <a:r>
-              <a:rPr lang="en-US" altLang="zh-CN" sz="1200" dirty="0" smtClean="0"/>
+              <a:rPr lang="en-US" altLang="zh-CN" sz="1200" b="1" dirty="0" smtClean="0"/>
               <a:t>(</a:t>
             </a:r>
             <a:r>
-              <a:rPr lang="en-US" altLang="zh-CN" sz="1200" dirty="0" err="1" smtClean="0"/>
+              <a:rPr lang="en-US" altLang="zh-CN" sz="1200" b="1" dirty="0" err="1" smtClean="0"/>
               <a:t>obj,begin</a:t>
             </a:r>
             <a:r>
-              <a:rPr lang="en-US" altLang="zh-CN" sz="1200" dirty="0" smtClean="0"/>
+              <a:rPr lang="en-US" altLang="zh-CN" sz="1200" b="1" dirty="0" smtClean="0"/>
               <a:t>)=1</a:t>
             </a:r>
-            <a:endParaRPr lang="en-US" altLang="zh-CN" sz="1200" dirty="0" smtClean="0"/>
-          </a:p>
-          <a:p>
-            <a:r>
-              <a:rPr lang="en-US" altLang="zh-CN" sz="1200" dirty="0" smtClean="0"/>
+          </a:p>
+          <a:p>
+            <a:r>
+              <a:rPr lang="en-US" altLang="zh-CN" sz="1200" b="1" dirty="0" smtClean="0"/>
               <a:t>…</a:t>
             </a:r>
-          </a:p>
-        </p:txBody>
-      </p:sp>
-      <p:sp>
-        <p:nvSpPr>
-          <p:cNvPr id="55" name="文本框 54"/>
-          <p:cNvSpPr txBox="1"/>
-          <p:nvPr/>
-        </p:nvSpPr>
-        <p:spPr>
-          <a:xfrm>
-            <a:off x="5735016" y="3071078"/>
-            <a:ext cx="292068" cy="738664"/>
-          </a:xfrm>
-          <a:prstGeom prst="rect">
-            <a:avLst/>
-          </a:prstGeom>
-          <a:noFill/>
-        </p:spPr>
-        <p:txBody>
-          <a:bodyPr wrap="none" rtlCol="0">
-            <a:spAutoFit/>
-          </a:bodyPr>
-          <a:lstStyle/>
-          <a:p>
-            <a:r>
-              <a:rPr lang="en-US" altLang="zh-CN" sz="1200" dirty="0"/>
-              <a:t>…</a:t>
-            </a:r>
-          </a:p>
-          <a:p>
-            <a:r>
-              <a:rPr lang="en-US" altLang="zh-CN" sz="1200" dirty="0"/>
-              <a:t>…</a:t>
-            </a:r>
-            <a:endParaRPr lang="zh-CN" altLang="en-US" sz="1200" dirty="0"/>
-          </a:p>
-          <a:p>
-            <a:endParaRPr lang="zh-CN" altLang="en-US" dirty="0"/>
-          </a:p>
-        </p:txBody>
-      </p:sp>
-      <p:sp>
-        <p:nvSpPr>
-          <p:cNvPr id="56" name="文本框 55"/>
-          <p:cNvSpPr txBox="1"/>
-          <p:nvPr/>
-        </p:nvSpPr>
-        <p:spPr>
-          <a:xfrm>
-            <a:off x="10418772" y="4815109"/>
-            <a:ext cx="292068" cy="738664"/>
-          </a:xfrm>
-          <a:prstGeom prst="rect">
-            <a:avLst/>
-          </a:prstGeom>
-          <a:noFill/>
-        </p:spPr>
-        <p:txBody>
-          <a:bodyPr wrap="none" rtlCol="0">
-            <a:spAutoFit/>
-          </a:bodyPr>
-          <a:lstStyle/>
-          <a:p>
-            <a:r>
-              <a:rPr lang="en-US" altLang="zh-CN" sz="1200" dirty="0"/>
-              <a:t>…</a:t>
-            </a:r>
-          </a:p>
-          <a:p>
-            <a:r>
-              <a:rPr lang="en-US" altLang="zh-CN" sz="1200" dirty="0"/>
-              <a:t>…</a:t>
-            </a:r>
-            <a:endParaRPr lang="zh-CN" altLang="en-US" sz="1200" dirty="0"/>
-          </a:p>
-          <a:p>
-            <a:endParaRPr lang="zh-CN" altLang="en-US" dirty="0"/>
           </a:p>
         </p:txBody>
       </p:sp>

--- a/hmm_crf/演示文稿1.pptx
+++ b/hmm_crf/演示文稿1.pptx
@@ -3050,7 +3050,7 @@
         </p:nvSpPr>
         <p:spPr>
           <a:xfrm>
-            <a:off x="1067010" y="6302550"/>
+            <a:off x="2099284" y="6443335"/>
             <a:ext cx="242374" cy="369332"/>
           </a:xfrm>
           <a:prstGeom prst="rect">
@@ -4599,7 +4599,6 @@
               <a:rPr lang="en-US" altLang="zh-CN" sz="1200" b="1" dirty="0" smtClean="0"/>
               <a:t>…</a:t>
             </a:r>
-            <a:endParaRPr lang="en-US" altLang="zh-CN" sz="1200" b="1" dirty="0" smtClean="0"/>
           </a:p>
         </p:txBody>
       </p:sp>
@@ -4687,11 +4686,7 @@
             </a:r>
             <a:r>
               <a:rPr lang="en-US" altLang="zh-CN" sz="1200" b="1" dirty="0" smtClean="0"/>
-              <a:t>)=</a:t>
-            </a:r>
-            <a:r>
-              <a:rPr lang="en-US" altLang="zh-CN" sz="1200" b="1" dirty="0" smtClean="0"/>
-              <a:t>3</a:t>
+              <a:t>)=3</a:t>
             </a:r>
           </a:p>
           <a:p>
